--- a/Urban_Pluvial_Flood_Risk_Mitigation[1].pptx
+++ b/Urban_Pluvial_Flood_Risk_Mitigation[1].pptx
@@ -122,7 +122,7 @@
   <pc:docChgLst>
     <pc:chgData name="ishant aneja" userId="18c3673cda97f82c" providerId="LiveId" clId="{1A590BD8-597B-440D-842A-C6C1563C36FB}"/>
     <pc:docChg chg="modSld">
-      <pc:chgData name="ishant aneja" userId="18c3673cda97f82c" providerId="LiveId" clId="{1A590BD8-597B-440D-842A-C6C1563C36FB}" dt="2025-10-02T14:07:04.505" v="8" actId="14100"/>
+      <pc:chgData name="ishant aneja" userId="18c3673cda97f82c" providerId="LiveId" clId="{1A590BD8-597B-440D-842A-C6C1563C36FB}" dt="2025-10-02T14:59:36.927" v="10" actId="20577"/>
       <pc:docMkLst>
         <pc:docMk/>
       </pc:docMkLst>
@@ -142,7 +142,7 @@
         </pc:spChg>
       </pc:sldChg>
       <pc:sldChg chg="modSp mod">
-        <pc:chgData name="ishant aneja" userId="18c3673cda97f82c" providerId="LiveId" clId="{1A590BD8-597B-440D-842A-C6C1563C36FB}" dt="2025-10-02T14:07:04.505" v="8" actId="14100"/>
+        <pc:chgData name="ishant aneja" userId="18c3673cda97f82c" providerId="LiveId" clId="{1A590BD8-597B-440D-842A-C6C1563C36FB}" dt="2025-10-02T14:59:36.927" v="10" actId="20577"/>
         <pc:sldMkLst>
           <pc:docMk/>
           <pc:sldMk cId="3593968695" sldId="263"/>
@@ -156,7 +156,7 @@
           </ac:spMkLst>
         </pc:spChg>
         <pc:spChg chg="mod">
-          <ac:chgData name="ishant aneja" userId="18c3673cda97f82c" providerId="LiveId" clId="{1A590BD8-597B-440D-842A-C6C1563C36FB}" dt="2025-10-02T14:06:55.624" v="6" actId="14100"/>
+          <ac:chgData name="ishant aneja" userId="18c3673cda97f82c" providerId="LiveId" clId="{1A590BD8-597B-440D-842A-C6C1563C36FB}" dt="2025-10-02T14:59:36.927" v="10" actId="20577"/>
           <ac:spMkLst>
             <pc:docMk/>
             <pc:sldMk cId="3593968695" sldId="263"/>
@@ -5955,9 +5955,10 @@
           <a:p>
             <a:pPr algn="ctr"/>
             <a:r>
-              <a:rPr lang="en-IN" dirty="0"/>
-              <a:t>Problem Statement-1 </a:t>
-            </a:r>
+              <a:rPr lang="en-IN"/>
+              <a:t>Problem Statement-2 </a:t>
+            </a:r>
+            <a:endParaRPr lang="en-IN" dirty="0"/>
           </a:p>
         </p:txBody>
       </p:sp>
